--- a/L01_uart_stopwatch_watch/이준형_uart_rx_decoder_sim.pptx
+++ b/L01_uart_stopwatch_watch/이준형_uart_rx_decoder_sim.pptx
@@ -8,15 +8,14 @@
     <p:sldMasterId id="2147483762" r:id="rId4"/>
   </p:sldMasterIdLst>
   <p:notesMasterIdLst>
-    <p:notesMasterId r:id="rId11"/>
+    <p:notesMasterId r:id="rId10"/>
   </p:notesMasterIdLst>
   <p:sldIdLst>
     <p:sldId id="256" r:id="rId5"/>
     <p:sldId id="262" r:id="rId6"/>
-    <p:sldId id="257" r:id="rId7"/>
-    <p:sldId id="258" r:id="rId8"/>
-    <p:sldId id="260" r:id="rId9"/>
-    <p:sldId id="261" r:id="rId10"/>
+    <p:sldId id="263" r:id="rId7"/>
+    <p:sldId id="260" r:id="rId8"/>
+    <p:sldId id="261" r:id="rId9"/>
   </p:sldIdLst>
   <p:sldSz cx="12192000" cy="6858000"/>
   <p:notesSz cx="6858000" cy="9144000"/>
@@ -217,7 +216,7 @@
           <a:p>
             <a:fld id="{4BC9D96A-C90B-4616-BE12-243A1276DB70}" type="datetimeFigureOut">
               <a:rPr lang="ko-KR" altLang="en-US" smtClean="0"/>
-              <a:t>2026-02-11</a:t>
+              <a:t>2026-02-12</a:t>
             </a:fld>
             <a:endParaRPr lang="ko-KR" altLang="en-US"/>
           </a:p>
@@ -626,7 +625,7 @@
           <a:p>
             <a:fld id="{48E75546-8575-4D9D-BEAF-A4B014C1EC31}" type="datetimeFigureOut">
               <a:rPr lang="ko-KR" altLang="en-US" smtClean="0"/>
-              <a:t>2026-02-11</a:t>
+              <a:t>2026-02-12</a:t>
             </a:fld>
             <a:endParaRPr lang="ko-KR" altLang="en-US"/>
           </a:p>
@@ -796,7 +795,7 @@
           <a:p>
             <a:fld id="{48E75546-8575-4D9D-BEAF-A4B014C1EC31}" type="datetimeFigureOut">
               <a:rPr lang="ko-KR" altLang="en-US" smtClean="0"/>
-              <a:t>2026-02-11</a:t>
+              <a:t>2026-02-12</a:t>
             </a:fld>
             <a:endParaRPr lang="ko-KR" altLang="en-US"/>
           </a:p>
@@ -976,7 +975,7 @@
           <a:p>
             <a:fld id="{48E75546-8575-4D9D-BEAF-A4B014C1EC31}" type="datetimeFigureOut">
               <a:rPr lang="ko-KR" altLang="en-US" smtClean="0"/>
-              <a:t>2026-02-11</a:t>
+              <a:t>2026-02-12</a:t>
             </a:fld>
             <a:endParaRPr lang="ko-KR" altLang="en-US"/>
           </a:p>
@@ -1179,7 +1178,7 @@
           <a:p>
             <a:fld id="{48E75546-8575-4D9D-BEAF-A4B014C1EC31}" type="datetimeFigureOut">
               <a:rPr lang="ko-KR" altLang="en-US" smtClean="0"/>
-              <a:t>2026-02-11</a:t>
+              <a:t>2026-02-12</a:t>
             </a:fld>
             <a:endParaRPr lang="ko-KR" altLang="en-US"/>
           </a:p>
@@ -1349,7 +1348,7 @@
           <a:p>
             <a:fld id="{48E75546-8575-4D9D-BEAF-A4B014C1EC31}" type="datetimeFigureOut">
               <a:rPr lang="ko-KR" altLang="en-US" smtClean="0"/>
-              <a:t>2026-02-11</a:t>
+              <a:t>2026-02-12</a:t>
             </a:fld>
             <a:endParaRPr lang="ko-KR" altLang="en-US"/>
           </a:p>
@@ -1600,7 +1599,7 @@
           <a:p>
             <a:fld id="{48E75546-8575-4D9D-BEAF-A4B014C1EC31}" type="datetimeFigureOut">
               <a:rPr lang="ko-KR" altLang="en-US" smtClean="0"/>
-              <a:t>2026-02-11</a:t>
+              <a:t>2026-02-12</a:t>
             </a:fld>
             <a:endParaRPr lang="ko-KR" altLang="en-US"/>
           </a:p>
@@ -1832,7 +1831,7 @@
           <a:p>
             <a:fld id="{48E75546-8575-4D9D-BEAF-A4B014C1EC31}" type="datetimeFigureOut">
               <a:rPr lang="ko-KR" altLang="en-US" smtClean="0"/>
-              <a:t>2026-02-11</a:t>
+              <a:t>2026-02-12</a:t>
             </a:fld>
             <a:endParaRPr lang="ko-KR" altLang="en-US"/>
           </a:p>
@@ -2179,7 +2178,7 @@
           <a:p>
             <a:fld id="{48E75546-8575-4D9D-BEAF-A4B014C1EC31}" type="datetimeFigureOut">
               <a:rPr lang="ko-KR" altLang="en-US" smtClean="0"/>
-              <a:t>2026-02-11</a:t>
+              <a:t>2026-02-12</a:t>
             </a:fld>
             <a:endParaRPr lang="ko-KR" altLang="en-US"/>
           </a:p>
@@ -2297,7 +2296,7 @@
           <a:p>
             <a:fld id="{48E75546-8575-4D9D-BEAF-A4B014C1EC31}" type="datetimeFigureOut">
               <a:rPr lang="ko-KR" altLang="en-US" smtClean="0"/>
-              <a:t>2026-02-11</a:t>
+              <a:t>2026-02-12</a:t>
             </a:fld>
             <a:endParaRPr lang="ko-KR" altLang="en-US"/>
           </a:p>
@@ -2415,7 +2414,7 @@
           <a:p>
             <a:fld id="{48E75546-8575-4D9D-BEAF-A4B014C1EC31}" type="datetimeFigureOut">
               <a:rPr lang="ko-KR" altLang="en-US" smtClean="0"/>
-              <a:t>2026-02-11</a:t>
+              <a:t>2026-02-12</a:t>
             </a:fld>
             <a:endParaRPr lang="ko-KR" altLang="en-US"/>
           </a:p>
@@ -2699,7 +2698,7 @@
           <a:p>
             <a:fld id="{48E75546-8575-4D9D-BEAF-A4B014C1EC31}" type="datetimeFigureOut">
               <a:rPr lang="ko-KR" altLang="en-US" smtClean="0"/>
-              <a:t>2026-02-11</a:t>
+              <a:t>2026-02-12</a:t>
             </a:fld>
             <a:endParaRPr lang="ko-KR" altLang="en-US"/>
           </a:p>
@@ -2869,7 +2868,7 @@
           <a:p>
             <a:fld id="{48E75546-8575-4D9D-BEAF-A4B014C1EC31}" type="datetimeFigureOut">
               <a:rPr lang="ko-KR" altLang="en-US" smtClean="0"/>
-              <a:t>2026-02-11</a:t>
+              <a:t>2026-02-12</a:t>
             </a:fld>
             <a:endParaRPr lang="ko-KR" altLang="en-US"/>
           </a:p>
@@ -3133,7 +3132,7 @@
           <a:p>
             <a:fld id="{48E75546-8575-4D9D-BEAF-A4B014C1EC31}" type="datetimeFigureOut">
               <a:rPr lang="ko-KR" altLang="en-US" smtClean="0"/>
-              <a:t>2026-02-11</a:t>
+              <a:t>2026-02-12</a:t>
             </a:fld>
             <a:endParaRPr lang="ko-KR" altLang="en-US"/>
           </a:p>
@@ -3303,7 +3302,7 @@
           <a:p>
             <a:fld id="{48E75546-8575-4D9D-BEAF-A4B014C1EC31}" type="datetimeFigureOut">
               <a:rPr lang="ko-KR" altLang="en-US" smtClean="0"/>
-              <a:t>2026-02-11</a:t>
+              <a:t>2026-02-12</a:t>
             </a:fld>
             <a:endParaRPr lang="ko-KR" altLang="en-US"/>
           </a:p>
@@ -3483,7 +3482,7 @@
           <a:p>
             <a:fld id="{48E75546-8575-4D9D-BEAF-A4B014C1EC31}" type="datetimeFigureOut">
               <a:rPr lang="ko-KR" altLang="en-US" smtClean="0"/>
-              <a:t>2026-02-11</a:t>
+              <a:t>2026-02-12</a:t>
             </a:fld>
             <a:endParaRPr lang="ko-KR" altLang="en-US"/>
           </a:p>
@@ -3686,7 +3685,7 @@
           <a:p>
             <a:fld id="{48E75546-8575-4D9D-BEAF-A4B014C1EC31}" type="datetimeFigureOut">
               <a:rPr lang="ko-KR" altLang="en-US" smtClean="0"/>
-              <a:t>2026-02-11</a:t>
+              <a:t>2026-02-12</a:t>
             </a:fld>
             <a:endParaRPr lang="ko-KR" altLang="en-US"/>
           </a:p>
@@ -3856,7 +3855,7 @@
           <a:p>
             <a:fld id="{48E75546-8575-4D9D-BEAF-A4B014C1EC31}" type="datetimeFigureOut">
               <a:rPr lang="ko-KR" altLang="en-US" smtClean="0"/>
-              <a:t>2026-02-11</a:t>
+              <a:t>2026-02-12</a:t>
             </a:fld>
             <a:endParaRPr lang="ko-KR" altLang="en-US"/>
           </a:p>
@@ -4107,7 +4106,7 @@
           <a:p>
             <a:fld id="{48E75546-8575-4D9D-BEAF-A4B014C1EC31}" type="datetimeFigureOut">
               <a:rPr lang="ko-KR" altLang="en-US" smtClean="0"/>
-              <a:t>2026-02-11</a:t>
+              <a:t>2026-02-12</a:t>
             </a:fld>
             <a:endParaRPr lang="ko-KR" altLang="en-US"/>
           </a:p>
@@ -4339,7 +4338,7 @@
           <a:p>
             <a:fld id="{48E75546-8575-4D9D-BEAF-A4B014C1EC31}" type="datetimeFigureOut">
               <a:rPr lang="ko-KR" altLang="en-US" smtClean="0"/>
-              <a:t>2026-02-11</a:t>
+              <a:t>2026-02-12</a:t>
             </a:fld>
             <a:endParaRPr lang="ko-KR" altLang="en-US"/>
           </a:p>
@@ -4686,7 +4685,7 @@
           <a:p>
             <a:fld id="{48E75546-8575-4D9D-BEAF-A4B014C1EC31}" type="datetimeFigureOut">
               <a:rPr lang="ko-KR" altLang="en-US" smtClean="0"/>
-              <a:t>2026-02-11</a:t>
+              <a:t>2026-02-12</a:t>
             </a:fld>
             <a:endParaRPr lang="ko-KR" altLang="en-US"/>
           </a:p>
@@ -4804,7 +4803,7 @@
           <a:p>
             <a:fld id="{48E75546-8575-4D9D-BEAF-A4B014C1EC31}" type="datetimeFigureOut">
               <a:rPr lang="ko-KR" altLang="en-US" smtClean="0"/>
-              <a:t>2026-02-11</a:t>
+              <a:t>2026-02-12</a:t>
             </a:fld>
             <a:endParaRPr lang="ko-KR" altLang="en-US"/>
           </a:p>
@@ -4922,7 +4921,7 @@
           <a:p>
             <a:fld id="{48E75546-8575-4D9D-BEAF-A4B014C1EC31}" type="datetimeFigureOut">
               <a:rPr lang="ko-KR" altLang="en-US" smtClean="0"/>
-              <a:t>2026-02-11</a:t>
+              <a:t>2026-02-12</a:t>
             </a:fld>
             <a:endParaRPr lang="ko-KR" altLang="en-US"/>
           </a:p>
@@ -5173,7 +5172,7 @@
           <a:p>
             <a:fld id="{48E75546-8575-4D9D-BEAF-A4B014C1EC31}" type="datetimeFigureOut">
               <a:rPr lang="ko-KR" altLang="en-US" smtClean="0"/>
-              <a:t>2026-02-11</a:t>
+              <a:t>2026-02-12</a:t>
             </a:fld>
             <a:endParaRPr lang="ko-KR" altLang="en-US"/>
           </a:p>
@@ -5457,7 +5456,7 @@
           <a:p>
             <a:fld id="{48E75546-8575-4D9D-BEAF-A4B014C1EC31}" type="datetimeFigureOut">
               <a:rPr lang="ko-KR" altLang="en-US" smtClean="0"/>
-              <a:t>2026-02-11</a:t>
+              <a:t>2026-02-12</a:t>
             </a:fld>
             <a:endParaRPr lang="ko-KR" altLang="en-US"/>
           </a:p>
@@ -5721,7 +5720,7 @@
           <a:p>
             <a:fld id="{48E75546-8575-4D9D-BEAF-A4B014C1EC31}" type="datetimeFigureOut">
               <a:rPr lang="ko-KR" altLang="en-US" smtClean="0"/>
-              <a:t>2026-02-11</a:t>
+              <a:t>2026-02-12</a:t>
             </a:fld>
             <a:endParaRPr lang="ko-KR" altLang="en-US"/>
           </a:p>
@@ -5891,7 +5890,7 @@
           <a:p>
             <a:fld id="{48E75546-8575-4D9D-BEAF-A4B014C1EC31}" type="datetimeFigureOut">
               <a:rPr lang="ko-KR" altLang="en-US" smtClean="0"/>
-              <a:t>2026-02-11</a:t>
+              <a:t>2026-02-12</a:t>
             </a:fld>
             <a:endParaRPr lang="ko-KR" altLang="en-US"/>
           </a:p>
@@ -6071,7 +6070,7 @@
           <a:p>
             <a:fld id="{48E75546-8575-4D9D-BEAF-A4B014C1EC31}" type="datetimeFigureOut">
               <a:rPr lang="ko-KR" altLang="en-US" smtClean="0"/>
-              <a:t>2026-02-11</a:t>
+              <a:t>2026-02-12</a:t>
             </a:fld>
             <a:endParaRPr lang="ko-KR" altLang="en-US"/>
           </a:p>
@@ -6301,7 +6300,7 @@
           <a:p>
             <a:fld id="{48E75546-8575-4D9D-BEAF-A4B014C1EC31}" type="datetimeFigureOut">
               <a:rPr lang="ko-KR" altLang="en-US" smtClean="0"/>
-              <a:t>2026-02-11</a:t>
+              <a:t>2026-02-12</a:t>
             </a:fld>
             <a:endParaRPr lang="ko-KR" altLang="en-US"/>
           </a:p>
@@ -6640,7 +6639,7 @@
           <a:p>
             <a:fld id="{48E75546-8575-4D9D-BEAF-A4B014C1EC31}" type="datetimeFigureOut">
               <a:rPr lang="ko-KR" altLang="en-US" smtClean="0"/>
-              <a:t>2026-02-11</a:t>
+              <a:t>2026-02-12</a:t>
             </a:fld>
             <a:endParaRPr lang="ko-KR" altLang="en-US"/>
           </a:p>
@@ -6917,7 +6916,7 @@
           <a:p>
             <a:fld id="{48E75546-8575-4D9D-BEAF-A4B014C1EC31}" type="datetimeFigureOut">
               <a:rPr lang="ko-KR" altLang="en-US" smtClean="0"/>
-              <a:t>2026-02-11</a:t>
+              <a:t>2026-02-12</a:t>
             </a:fld>
             <a:endParaRPr lang="ko-KR" altLang="en-US"/>
           </a:p>
@@ -7318,7 +7317,7 @@
           <a:p>
             <a:fld id="{48E75546-8575-4D9D-BEAF-A4B014C1EC31}" type="datetimeFigureOut">
               <a:rPr lang="ko-KR" altLang="en-US" smtClean="0"/>
-              <a:t>2026-02-11</a:t>
+              <a:t>2026-02-12</a:t>
             </a:fld>
             <a:endParaRPr lang="ko-KR" altLang="en-US"/>
           </a:p>
@@ -7795,7 +7794,7 @@
           <a:p>
             <a:fld id="{48E75546-8575-4D9D-BEAF-A4B014C1EC31}" type="datetimeFigureOut">
               <a:rPr lang="ko-KR" altLang="en-US" smtClean="0"/>
-              <a:t>2026-02-11</a:t>
+              <a:t>2026-02-12</a:t>
             </a:fld>
             <a:endParaRPr lang="ko-KR" altLang="en-US"/>
           </a:p>
@@ -7913,7 +7912,7 @@
           <a:p>
             <a:fld id="{48E75546-8575-4D9D-BEAF-A4B014C1EC31}" type="datetimeFigureOut">
               <a:rPr lang="ko-KR" altLang="en-US" smtClean="0"/>
-              <a:t>2026-02-11</a:t>
+              <a:t>2026-02-12</a:t>
             </a:fld>
             <a:endParaRPr lang="ko-KR" altLang="en-US"/>
           </a:p>
@@ -8145,7 +8144,7 @@
           <a:p>
             <a:fld id="{48E75546-8575-4D9D-BEAF-A4B014C1EC31}" type="datetimeFigureOut">
               <a:rPr lang="ko-KR" altLang="en-US" smtClean="0"/>
-              <a:t>2026-02-11</a:t>
+              <a:t>2026-02-12</a:t>
             </a:fld>
             <a:endParaRPr lang="ko-KR" altLang="en-US"/>
           </a:p>
@@ -8240,7 +8239,7 @@
           <a:p>
             <a:fld id="{48E75546-8575-4D9D-BEAF-A4B014C1EC31}" type="datetimeFigureOut">
               <a:rPr lang="ko-KR" altLang="en-US" smtClean="0"/>
-              <a:t>2026-02-11</a:t>
+              <a:t>2026-02-12</a:t>
             </a:fld>
             <a:endParaRPr lang="ko-KR" altLang="en-US"/>
           </a:p>
@@ -8593,7 +8592,7 @@
           <a:p>
             <a:fld id="{48E75546-8575-4D9D-BEAF-A4B014C1EC31}" type="datetimeFigureOut">
               <a:rPr lang="ko-KR" altLang="en-US" smtClean="0"/>
-              <a:t>2026-02-11</a:t>
+              <a:t>2026-02-12</a:t>
             </a:fld>
             <a:endParaRPr lang="ko-KR" altLang="en-US"/>
           </a:p>
@@ -8995,7 +8994,7 @@
           <a:p>
             <a:fld id="{48E75546-8575-4D9D-BEAF-A4B014C1EC31}" type="datetimeFigureOut">
               <a:rPr lang="ko-KR" altLang="en-US" smtClean="0"/>
-              <a:t>2026-02-11</a:t>
+              <a:t>2026-02-12</a:t>
             </a:fld>
             <a:endParaRPr lang="ko-KR" altLang="en-US"/>
           </a:p>
@@ -9241,7 +9240,7 @@
           <a:p>
             <a:fld id="{48E75546-8575-4D9D-BEAF-A4B014C1EC31}" type="datetimeFigureOut">
               <a:rPr lang="ko-KR" altLang="en-US" smtClean="0"/>
-              <a:t>2026-02-11</a:t>
+              <a:t>2026-02-12</a:t>
             </a:fld>
             <a:endParaRPr lang="ko-KR" altLang="en-US"/>
           </a:p>
@@ -9421,7 +9420,7 @@
           <a:p>
             <a:fld id="{48E75546-8575-4D9D-BEAF-A4B014C1EC31}" type="datetimeFigureOut">
               <a:rPr lang="ko-KR" altLang="en-US" smtClean="0"/>
-              <a:t>2026-02-11</a:t>
+              <a:t>2026-02-12</a:t>
             </a:fld>
             <a:endParaRPr lang="ko-KR" altLang="en-US"/>
           </a:p>
@@ -9768,7 +9767,7 @@
           <a:p>
             <a:fld id="{48E75546-8575-4D9D-BEAF-A4B014C1EC31}" type="datetimeFigureOut">
               <a:rPr lang="ko-KR" altLang="en-US" smtClean="0"/>
-              <a:t>2026-02-11</a:t>
+              <a:t>2026-02-12</a:t>
             </a:fld>
             <a:endParaRPr lang="ko-KR" altLang="en-US"/>
           </a:p>
@@ -9886,7 +9885,7 @@
           <a:p>
             <a:fld id="{48E75546-8575-4D9D-BEAF-A4B014C1EC31}" type="datetimeFigureOut">
               <a:rPr lang="ko-KR" altLang="en-US" smtClean="0"/>
-              <a:t>2026-02-11</a:t>
+              <a:t>2026-02-12</a:t>
             </a:fld>
             <a:endParaRPr lang="ko-KR" altLang="en-US"/>
           </a:p>
@@ -10004,7 +10003,7 @@
           <a:p>
             <a:fld id="{48E75546-8575-4D9D-BEAF-A4B014C1EC31}" type="datetimeFigureOut">
               <a:rPr lang="ko-KR" altLang="en-US" smtClean="0"/>
-              <a:t>2026-02-11</a:t>
+              <a:t>2026-02-12</a:t>
             </a:fld>
             <a:endParaRPr lang="ko-KR" altLang="en-US"/>
           </a:p>
@@ -10288,7 +10287,7 @@
           <a:p>
             <a:fld id="{48E75546-8575-4D9D-BEAF-A4B014C1EC31}" type="datetimeFigureOut">
               <a:rPr lang="ko-KR" altLang="en-US" smtClean="0"/>
-              <a:t>2026-02-11</a:t>
+              <a:t>2026-02-12</a:t>
             </a:fld>
             <a:endParaRPr lang="ko-KR" altLang="en-US"/>
           </a:p>
@@ -10552,7 +10551,7 @@
           <a:p>
             <a:fld id="{48E75546-8575-4D9D-BEAF-A4B014C1EC31}" type="datetimeFigureOut">
               <a:rPr lang="ko-KR" altLang="en-US" smtClean="0"/>
-              <a:t>2026-02-11</a:t>
+              <a:t>2026-02-12</a:t>
             </a:fld>
             <a:endParaRPr lang="ko-KR" altLang="en-US"/>
           </a:p>
@@ -10766,7 +10765,7 @@
           <a:p>
             <a:fld id="{48E75546-8575-4D9D-BEAF-A4B014C1EC31}" type="datetimeFigureOut">
               <a:rPr lang="ko-KR" altLang="en-US" smtClean="0"/>
-              <a:t>2026-02-11</a:t>
+              <a:t>2026-02-12</a:t>
             </a:fld>
             <a:endParaRPr lang="ko-KR" altLang="en-US"/>
           </a:p>
@@ -11296,7 +11295,7 @@
           <a:p>
             <a:fld id="{48E75546-8575-4D9D-BEAF-A4B014C1EC31}" type="datetimeFigureOut">
               <a:rPr lang="ko-KR" altLang="en-US" smtClean="0"/>
-              <a:t>2026-02-11</a:t>
+              <a:t>2026-02-12</a:t>
             </a:fld>
             <a:endParaRPr lang="ko-KR" altLang="en-US"/>
           </a:p>
@@ -11831,7 +11830,7 @@
           <a:p>
             <a:fld id="{48E75546-8575-4D9D-BEAF-A4B014C1EC31}" type="datetimeFigureOut">
               <a:rPr lang="ko-KR" altLang="en-US" smtClean="0"/>
-              <a:t>2026-02-11</a:t>
+              <a:t>2026-02-12</a:t>
             </a:fld>
             <a:endParaRPr lang="ko-KR" altLang="en-US"/>
           </a:p>
@@ -12366,7 +12365,7 @@
           <a:p>
             <a:fld id="{48E75546-8575-4D9D-BEAF-A4B014C1EC31}" type="datetimeFigureOut">
               <a:rPr lang="ko-KR" altLang="en-US" smtClean="0"/>
-              <a:t>2026-02-11</a:t>
+              <a:t>2026-02-12</a:t>
             </a:fld>
             <a:endParaRPr lang="ko-KR" altLang="en-US"/>
           </a:p>
@@ -13109,9 +13108,32 @@
           <a:chExt cx="0" cy="0"/>
         </a:xfrm>
       </p:grpSpPr>
+      <p:sp>
+        <p:nvSpPr>
+          <p:cNvPr id="2" name="제목 1"/>
+          <p:cNvSpPr>
+            <a:spLocks noGrp="1"/>
+          </p:cNvSpPr>
+          <p:nvPr>
+            <p:ph type="title"/>
+          </p:nvPr>
+        </p:nvSpPr>
+        <p:spPr/>
+        <p:txBody>
+          <a:bodyPr/>
+          <a:lstStyle/>
+          <a:p>
+            <a:r>
+              <a:rPr lang="en-US" altLang="ko-KR" dirty="0" smtClean="0"/>
+              <a:t>module</a:t>
+            </a:r>
+            <a:endParaRPr lang="ko-KR" altLang="en-US" dirty="0"/>
+          </a:p>
+        </p:txBody>
+      </p:sp>
       <p:pic>
         <p:nvPicPr>
-          <p:cNvPr id="11" name="그림 10"/>
+          <p:cNvPr id="6" name="그림 5"/>
           <p:cNvPicPr>
             <a:picLocks noChangeAspect="1"/>
           </p:cNvPicPr>
@@ -13125,8 +13147,8 @@
         </p:blipFill>
         <p:spPr>
           <a:xfrm>
-            <a:off x="8399720" y="568569"/>
-            <a:ext cx="3305636" cy="5718239"/>
+            <a:off x="2294304" y="3057703"/>
+            <a:ext cx="7755791" cy="3384127"/>
           </a:xfrm>
           <a:prstGeom prst="rect">
             <a:avLst/>
@@ -13135,42 +13157,7 @@
       </p:pic>
       <p:sp>
         <p:nvSpPr>
-          <p:cNvPr id="2" name="제목 1"/>
-          <p:cNvSpPr>
-            <a:spLocks noGrp="1"/>
-          </p:cNvSpPr>
-          <p:nvPr>
-            <p:ph type="title"/>
-          </p:nvPr>
-        </p:nvSpPr>
-        <p:spPr/>
-        <p:txBody>
-          <a:bodyPr/>
-          <a:lstStyle/>
-          <a:p>
-            <a:r>
-              <a:rPr lang="en-US" altLang="ko-KR" dirty="0" err="1" smtClean="0"/>
-              <a:t>testbench</a:t>
-            </a:r>
-            <a:r>
-              <a:rPr lang="en-US" altLang="ko-KR" dirty="0" smtClean="0"/>
-              <a:t> </a:t>
-            </a:r>
-            <a:r>
-              <a:rPr lang="ko-KR" altLang="en-US" dirty="0" smtClean="0"/>
-              <a:t>시나리오</a:t>
-            </a:r>
-            <a:r>
-              <a:rPr lang="en-US" altLang="ko-KR" dirty="0" smtClean="0"/>
-              <a:t>1</a:t>
-            </a:r>
-            <a:endParaRPr lang="ko-KR" altLang="en-US" dirty="0"/>
-          </a:p>
-        </p:txBody>
-      </p:sp>
-      <p:sp>
-        <p:nvSpPr>
-          <p:cNvPr id="3" name="내용 개체 틀 2"/>
+          <p:cNvPr id="7" name="내용 개체 틀 2"/>
           <p:cNvSpPr>
             <a:spLocks noGrp="1"/>
           </p:cNvSpPr>
@@ -13178,126 +13165,127 @@
             <p:ph idx="1"/>
           </p:nvPr>
         </p:nvSpPr>
-        <p:spPr/>
-        <p:txBody>
-          <a:bodyPr/>
-          <a:lstStyle/>
-          <a:p>
-            <a:r>
-              <a:rPr lang="ko-KR" altLang="en-US" dirty="0" smtClean="0"/>
-              <a:t>입력이  </a:t>
-            </a:r>
-            <a:r>
-              <a:rPr lang="en-US" altLang="ko-KR" dirty="0" smtClean="0"/>
-              <a:t>negative edge</a:t>
-            </a:r>
-            <a:r>
-              <a:rPr lang="ko-KR" altLang="en-US" dirty="0" smtClean="0"/>
-              <a:t>에 </a:t>
-            </a:r>
-            <a:r>
-              <a:rPr lang="en-US" altLang="ko-KR" dirty="0" smtClean="0"/>
-              <a:t>done</a:t>
-            </a:r>
-            <a:r>
-              <a:rPr lang="ko-KR" altLang="en-US" dirty="0" smtClean="0"/>
-              <a:t>과 </a:t>
-            </a:r>
-            <a:r>
-              <a:rPr lang="en-US" altLang="ko-KR" dirty="0" err="1" smtClean="0"/>
-              <a:t>rx</a:t>
-            </a:r>
-            <a:r>
-              <a:rPr lang="en-US" altLang="ko-KR" dirty="0" smtClean="0"/>
-              <a:t> data</a:t>
-            </a:r>
-            <a:r>
-              <a:rPr lang="ko-KR" altLang="en-US" dirty="0" smtClean="0"/>
-              <a:t>를 입력</a:t>
-            </a:r>
-            <a:endParaRPr lang="en-US" altLang="ko-KR" dirty="0" smtClean="0"/>
-          </a:p>
-          <a:p>
-            <a:r>
-              <a:rPr lang="ko-KR" altLang="en-US" dirty="0" smtClean="0"/>
-              <a:t>입력 순서</a:t>
-            </a:r>
-            <a:r>
-              <a:rPr lang="en-US" altLang="ko-KR" dirty="0" smtClean="0"/>
-              <a:t>: R -&gt; L -&gt; U -&gt; D -&gt; S -&gt; 0 -&gt; 1 ASCII</a:t>
-            </a:r>
-            <a:r>
-              <a:rPr lang="ko-KR" altLang="en-US" dirty="0" smtClean="0"/>
-              <a:t>값으로 입력</a:t>
-            </a:r>
-            <a:endParaRPr lang="ko-KR" altLang="en-US" dirty="0"/>
-          </a:p>
-        </p:txBody>
-      </p:sp>
-      <p:pic>
-        <p:nvPicPr>
-          <p:cNvPr id="5" name="그림 4"/>
-          <p:cNvPicPr>
-            <a:picLocks noChangeAspect="1"/>
-          </p:cNvPicPr>
-          <p:nvPr/>
-        </p:nvPicPr>
-        <p:blipFill>
-          <a:blip r:embed="rId3"/>
-          <a:stretch>
-            <a:fillRect/>
-          </a:stretch>
-        </p:blipFill>
         <p:spPr>
           <a:xfrm>
-            <a:off x="1279878" y="4076700"/>
-            <a:ext cx="5048955" cy="2133898"/>
+            <a:off x="1371600" y="1428750"/>
+            <a:ext cx="9601200" cy="1248508"/>
           </a:xfrm>
-          <a:prstGeom prst="rect">
-            <a:avLst/>
-          </a:prstGeom>
         </p:spPr>
-      </p:pic>
-      <p:cxnSp>
-        <p:nvCxnSpPr>
-          <p:cNvPr id="7" name="직선 화살표 연결선 6"/>
-          <p:cNvCxnSpPr/>
-          <p:nvPr/>
-        </p:nvCxnSpPr>
-        <p:spPr>
-          <a:xfrm flipV="1">
-            <a:off x="3036277" y="3798277"/>
-            <a:ext cx="6248400" cy="1892437"/>
-          </a:xfrm>
-          <a:prstGeom prst="straightConnector1">
-            <a:avLst/>
-          </a:prstGeom>
-          <a:ln w="76200">
-            <a:solidFill>
-              <a:srgbClr val="FF0000"/>
-            </a:solidFill>
-            <a:tailEnd type="triangle"/>
-          </a:ln>
-        </p:spPr>
-        <p:style>
-          <a:lnRef idx="1">
-            <a:schemeClr val="accent1"/>
-          </a:lnRef>
-          <a:fillRef idx="0">
-            <a:schemeClr val="accent1"/>
-          </a:fillRef>
-          <a:effectRef idx="0">
-            <a:schemeClr val="accent1"/>
-          </a:effectRef>
-          <a:fontRef idx="minor">
-            <a:schemeClr val="tx1"/>
-          </a:fontRef>
-        </p:style>
-      </p:cxnSp>
+        <p:txBody>
+          <a:bodyPr>
+            <a:normAutofit fontScale="70000" lnSpcReduction="20000"/>
+          </a:bodyPr>
+          <a:lstStyle/>
+          <a:p>
+            <a:r>
+              <a:rPr lang="en-US" altLang="ko-KR" dirty="0" smtClean="0"/>
+              <a:t>1. </a:t>
+            </a:r>
+            <a:r>
+              <a:rPr lang="en-US" altLang="ko-KR" dirty="0" err="1" smtClean="0"/>
+              <a:t>Boud_tick</a:t>
+            </a:r>
+            <a:r>
+              <a:rPr lang="ko-KR" altLang="en-US" dirty="0" smtClean="0"/>
+              <a:t>에서 </a:t>
+            </a:r>
+            <a:r>
+              <a:rPr lang="en-US" altLang="ko-KR" dirty="0" smtClean="0"/>
+              <a:t>9600 bps 16</a:t>
+            </a:r>
+            <a:r>
+              <a:rPr lang="ko-KR" altLang="en-US" dirty="0" smtClean="0"/>
+              <a:t>배속으로 </a:t>
+            </a:r>
+            <a:r>
+              <a:rPr lang="ko-KR" altLang="en-US" dirty="0" err="1" smtClean="0"/>
+              <a:t>틱을</a:t>
+            </a:r>
+            <a:r>
+              <a:rPr lang="ko-KR" altLang="en-US" dirty="0" smtClean="0"/>
+              <a:t> 출력</a:t>
+            </a:r>
+            <a:endParaRPr lang="en-US" altLang="ko-KR" dirty="0" smtClean="0"/>
+          </a:p>
+          <a:p>
+            <a:r>
+              <a:rPr lang="en-US" altLang="ko-KR" dirty="0" smtClean="0"/>
+              <a:t>2. </a:t>
+            </a:r>
+            <a:r>
+              <a:rPr lang="en-US" altLang="ko-KR" dirty="0" err="1" smtClean="0"/>
+              <a:t>Uart_Rx</a:t>
+            </a:r>
+            <a:r>
+              <a:rPr lang="ko-KR" altLang="en-US" dirty="0" smtClean="0"/>
+              <a:t>는 </a:t>
+            </a:r>
+            <a:r>
+              <a:rPr lang="en-US" altLang="ko-KR" dirty="0" smtClean="0"/>
+              <a:t>9600bps 16</a:t>
+            </a:r>
+            <a:r>
+              <a:rPr lang="ko-KR" altLang="en-US" dirty="0" smtClean="0"/>
+              <a:t>배속으로 샘플링 하여 </a:t>
+            </a:r>
+            <a:r>
+              <a:rPr lang="en-US" altLang="ko-KR" dirty="0" smtClean="0"/>
+              <a:t>RX</a:t>
+            </a:r>
+            <a:r>
+              <a:rPr lang="ko-KR" altLang="en-US" dirty="0" smtClean="0"/>
+              <a:t>신호를 받음</a:t>
+            </a:r>
+            <a:endParaRPr lang="en-US" altLang="ko-KR" dirty="0" smtClean="0"/>
+          </a:p>
+          <a:p>
+            <a:r>
+              <a:rPr lang="en-US" altLang="ko-KR" dirty="0" smtClean="0"/>
+              <a:t>3. </a:t>
+            </a:r>
+            <a:r>
+              <a:rPr lang="en-US" altLang="ko-KR" dirty="0" err="1" smtClean="0"/>
+              <a:t>Uart_Rx</a:t>
+            </a:r>
+            <a:r>
+              <a:rPr lang="ko-KR" altLang="en-US" dirty="0" smtClean="0"/>
+              <a:t>의 출력 </a:t>
+            </a:r>
+            <a:r>
+              <a:rPr lang="en-US" altLang="ko-KR" dirty="0" err="1" smtClean="0"/>
+              <a:t>rx_data</a:t>
+            </a:r>
+            <a:r>
+              <a:rPr lang="ko-KR" altLang="en-US" dirty="0" smtClean="0"/>
+              <a:t>를 </a:t>
+            </a:r>
+            <a:r>
+              <a:rPr lang="en-US" altLang="ko-KR" dirty="0" err="1" smtClean="0"/>
+              <a:t>RX_decoder</a:t>
+            </a:r>
+            <a:r>
+              <a:rPr lang="ko-KR" altLang="en-US" dirty="0" smtClean="0"/>
+              <a:t>로 입력</a:t>
+            </a:r>
+            <a:endParaRPr lang="en-US" altLang="ko-KR" dirty="0" smtClean="0"/>
+          </a:p>
+          <a:p>
+            <a:r>
+              <a:rPr lang="en-US" altLang="ko-KR" dirty="0" smtClean="0"/>
+              <a:t>4. </a:t>
+            </a:r>
+            <a:r>
+              <a:rPr lang="ko-KR" altLang="en-US" dirty="0" smtClean="0"/>
+              <a:t>전체적인 신호를 분석</a:t>
+            </a:r>
+            <a:endParaRPr lang="en-US" altLang="ko-KR" dirty="0" smtClean="0"/>
+          </a:p>
+        </p:txBody>
+      </p:sp>
     </p:spTree>
     <p:extLst>
       <p:ext uri="{BB962C8B-B14F-4D97-AF65-F5344CB8AC3E}">
-        <p14:creationId xmlns:p14="http://schemas.microsoft.com/office/powerpoint/2010/main" val="2293669185"/>
+        <p14:creationId xmlns:p14="http://schemas.microsoft.com/office/powerpoint/2010/main" val="2469177501"/>
       </p:ext>
     </p:extLst>
   </p:cSld>
@@ -13340,363 +13328,6 @@
           <a:lstStyle/>
           <a:p>
             <a:r>
-              <a:rPr lang="en-US" altLang="ko-KR" dirty="0" smtClean="0"/>
-              <a:t>simulation</a:t>
-            </a:r>
-            <a:endParaRPr lang="ko-KR" altLang="en-US" dirty="0"/>
-          </a:p>
-        </p:txBody>
-      </p:sp>
-      <p:cxnSp>
-        <p:nvCxnSpPr>
-          <p:cNvPr id="10" name="직선 연결선 9"/>
-          <p:cNvCxnSpPr/>
-          <p:nvPr/>
-        </p:nvCxnSpPr>
-        <p:spPr>
-          <a:xfrm flipH="1">
-            <a:off x="5222633" y="1776046"/>
-            <a:ext cx="29305" cy="3382107"/>
-          </a:xfrm>
-          <a:prstGeom prst="line">
-            <a:avLst/>
-          </a:prstGeom>
-          <a:ln w="19050">
-            <a:solidFill>
-              <a:srgbClr val="FFFF00"/>
-            </a:solidFill>
-          </a:ln>
-        </p:spPr>
-        <p:style>
-          <a:lnRef idx="1">
-            <a:schemeClr val="accent1"/>
-          </a:lnRef>
-          <a:fillRef idx="0">
-            <a:schemeClr val="accent1"/>
-          </a:fillRef>
-          <a:effectRef idx="0">
-            <a:schemeClr val="accent1"/>
-          </a:effectRef>
-          <a:fontRef idx="minor">
-            <a:schemeClr val="tx1"/>
-          </a:fontRef>
-        </p:style>
-      </p:cxnSp>
-      <p:cxnSp>
-        <p:nvCxnSpPr>
-          <p:cNvPr id="13" name="직선 연결선 12"/>
-          <p:cNvCxnSpPr/>
-          <p:nvPr/>
-        </p:nvCxnSpPr>
-        <p:spPr>
-          <a:xfrm flipH="1">
-            <a:off x="6101780" y="1776045"/>
-            <a:ext cx="29305" cy="3382107"/>
-          </a:xfrm>
-          <a:prstGeom prst="line">
-            <a:avLst/>
-          </a:prstGeom>
-          <a:ln w="19050">
-            <a:solidFill>
-              <a:srgbClr val="FFFF00"/>
-            </a:solidFill>
-          </a:ln>
-        </p:spPr>
-        <p:style>
-          <a:lnRef idx="1">
-            <a:schemeClr val="accent1"/>
-          </a:lnRef>
-          <a:fillRef idx="0">
-            <a:schemeClr val="accent1"/>
-          </a:fillRef>
-          <a:effectRef idx="0">
-            <a:schemeClr val="accent1"/>
-          </a:effectRef>
-          <a:fontRef idx="minor">
-            <a:schemeClr val="tx1"/>
-          </a:fontRef>
-        </p:style>
-      </p:cxnSp>
-      <p:cxnSp>
-        <p:nvCxnSpPr>
-          <p:cNvPr id="14" name="직선 연결선 13"/>
-          <p:cNvCxnSpPr/>
-          <p:nvPr/>
-        </p:nvCxnSpPr>
-        <p:spPr>
-          <a:xfrm flipH="1">
-            <a:off x="6980927" y="1776046"/>
-            <a:ext cx="29305" cy="3382107"/>
-          </a:xfrm>
-          <a:prstGeom prst="line">
-            <a:avLst/>
-          </a:prstGeom>
-          <a:ln w="19050">
-            <a:solidFill>
-              <a:srgbClr val="FFFF00"/>
-            </a:solidFill>
-          </a:ln>
-        </p:spPr>
-        <p:style>
-          <a:lnRef idx="1">
-            <a:schemeClr val="accent1"/>
-          </a:lnRef>
-          <a:fillRef idx="0">
-            <a:schemeClr val="accent1"/>
-          </a:fillRef>
-          <a:effectRef idx="0">
-            <a:schemeClr val="accent1"/>
-          </a:effectRef>
-          <a:fontRef idx="minor">
-            <a:schemeClr val="tx1"/>
-          </a:fontRef>
-        </p:style>
-      </p:cxnSp>
-      <p:cxnSp>
-        <p:nvCxnSpPr>
-          <p:cNvPr id="15" name="직선 연결선 14"/>
-          <p:cNvCxnSpPr/>
-          <p:nvPr/>
-        </p:nvCxnSpPr>
-        <p:spPr>
-          <a:xfrm flipH="1">
-            <a:off x="7860074" y="1776046"/>
-            <a:ext cx="29305" cy="3382107"/>
-          </a:xfrm>
-          <a:prstGeom prst="line">
-            <a:avLst/>
-          </a:prstGeom>
-          <a:ln w="19050">
-            <a:solidFill>
-              <a:srgbClr val="FFFF00"/>
-            </a:solidFill>
-          </a:ln>
-        </p:spPr>
-        <p:style>
-          <a:lnRef idx="1">
-            <a:schemeClr val="accent1"/>
-          </a:lnRef>
-          <a:fillRef idx="0">
-            <a:schemeClr val="accent1"/>
-          </a:fillRef>
-          <a:effectRef idx="0">
-            <a:schemeClr val="accent1"/>
-          </a:effectRef>
-          <a:fontRef idx="minor">
-            <a:schemeClr val="tx1"/>
-          </a:fontRef>
-        </p:style>
-      </p:cxnSp>
-      <p:cxnSp>
-        <p:nvCxnSpPr>
-          <p:cNvPr id="16" name="직선 연결선 15"/>
-          <p:cNvCxnSpPr/>
-          <p:nvPr/>
-        </p:nvCxnSpPr>
-        <p:spPr>
-          <a:xfrm flipH="1">
-            <a:off x="9618368" y="1776046"/>
-            <a:ext cx="29305" cy="3382107"/>
-          </a:xfrm>
-          <a:prstGeom prst="line">
-            <a:avLst/>
-          </a:prstGeom>
-          <a:ln w="19050">
-            <a:solidFill>
-              <a:srgbClr val="FFFF00"/>
-            </a:solidFill>
-          </a:ln>
-        </p:spPr>
-        <p:style>
-          <a:lnRef idx="1">
-            <a:schemeClr val="accent1"/>
-          </a:lnRef>
-          <a:fillRef idx="0">
-            <a:schemeClr val="accent1"/>
-          </a:fillRef>
-          <a:effectRef idx="0">
-            <a:schemeClr val="accent1"/>
-          </a:effectRef>
-          <a:fontRef idx="minor">
-            <a:schemeClr val="tx1"/>
-          </a:fontRef>
-        </p:style>
-      </p:cxnSp>
-      <p:cxnSp>
-        <p:nvCxnSpPr>
-          <p:cNvPr id="17" name="직선 연결선 16"/>
-          <p:cNvCxnSpPr/>
-          <p:nvPr/>
-        </p:nvCxnSpPr>
-        <p:spPr>
-          <a:xfrm flipH="1">
-            <a:off x="8739221" y="1776046"/>
-            <a:ext cx="29305" cy="3382107"/>
-          </a:xfrm>
-          <a:prstGeom prst="line">
-            <a:avLst/>
-          </a:prstGeom>
-          <a:ln w="19050">
-            <a:solidFill>
-              <a:srgbClr val="FFFF00"/>
-            </a:solidFill>
-          </a:ln>
-        </p:spPr>
-        <p:style>
-          <a:lnRef idx="1">
-            <a:schemeClr val="accent1"/>
-          </a:lnRef>
-          <a:fillRef idx="0">
-            <a:schemeClr val="accent1"/>
-          </a:fillRef>
-          <a:effectRef idx="0">
-            <a:schemeClr val="accent1"/>
-          </a:effectRef>
-          <a:fontRef idx="minor">
-            <a:schemeClr val="tx1"/>
-          </a:fontRef>
-        </p:style>
-      </p:cxnSp>
-      <p:cxnSp>
-        <p:nvCxnSpPr>
-          <p:cNvPr id="18" name="직선 연결선 17"/>
-          <p:cNvCxnSpPr/>
-          <p:nvPr/>
-        </p:nvCxnSpPr>
-        <p:spPr>
-          <a:xfrm flipH="1">
-            <a:off x="10497515" y="1776045"/>
-            <a:ext cx="29305" cy="3382107"/>
-          </a:xfrm>
-          <a:prstGeom prst="line">
-            <a:avLst/>
-          </a:prstGeom>
-          <a:ln w="19050">
-            <a:solidFill>
-              <a:srgbClr val="FFFF00"/>
-            </a:solidFill>
-          </a:ln>
-        </p:spPr>
-        <p:style>
-          <a:lnRef idx="1">
-            <a:schemeClr val="accent1"/>
-          </a:lnRef>
-          <a:fillRef idx="0">
-            <a:schemeClr val="accent1"/>
-          </a:fillRef>
-          <a:effectRef idx="0">
-            <a:schemeClr val="accent1"/>
-          </a:effectRef>
-          <a:fontRef idx="minor">
-            <a:schemeClr val="tx1"/>
-          </a:fontRef>
-        </p:style>
-      </p:cxnSp>
-      <p:cxnSp>
-        <p:nvCxnSpPr>
-          <p:cNvPr id="19" name="직선 연결선 18"/>
-          <p:cNvCxnSpPr/>
-          <p:nvPr/>
-        </p:nvCxnSpPr>
-        <p:spPr>
-          <a:xfrm flipH="1">
-            <a:off x="11151832" y="1776045"/>
-            <a:ext cx="29305" cy="3382107"/>
-          </a:xfrm>
-          <a:prstGeom prst="line">
-            <a:avLst/>
-          </a:prstGeom>
-          <a:ln w="19050">
-            <a:solidFill>
-              <a:srgbClr val="FFFF00"/>
-            </a:solidFill>
-          </a:ln>
-        </p:spPr>
-        <p:style>
-          <a:lnRef idx="1">
-            <a:schemeClr val="accent1"/>
-          </a:lnRef>
-          <a:fillRef idx="0">
-            <a:schemeClr val="accent1"/>
-          </a:fillRef>
-          <a:effectRef idx="0">
-            <a:schemeClr val="accent1"/>
-          </a:effectRef>
-          <a:fontRef idx="minor">
-            <a:schemeClr val="tx1"/>
-          </a:fontRef>
-        </p:style>
-      </p:cxnSp>
-      <p:pic>
-        <p:nvPicPr>
-          <p:cNvPr id="20" name="그림 19"/>
-          <p:cNvPicPr>
-            <a:picLocks noChangeAspect="1"/>
-          </p:cNvPicPr>
-          <p:nvPr/>
-        </p:nvPicPr>
-        <p:blipFill>
-          <a:blip r:embed="rId2"/>
-          <a:stretch>
-            <a:fillRect/>
-          </a:stretch>
-        </p:blipFill>
-        <p:spPr>
-          <a:xfrm>
-            <a:off x="0" y="1735192"/>
-            <a:ext cx="12192000" cy="3522133"/>
-          </a:xfrm>
-          <a:prstGeom prst="rect">
-            <a:avLst/>
-          </a:prstGeom>
-        </p:spPr>
-      </p:pic>
-    </p:spTree>
-    <p:extLst>
-      <p:ext uri="{BB962C8B-B14F-4D97-AF65-F5344CB8AC3E}">
-        <p14:creationId xmlns:p14="http://schemas.microsoft.com/office/powerpoint/2010/main" val="230980412"/>
-      </p:ext>
-    </p:extLst>
-  </p:cSld>
-  <p:clrMapOvr>
-    <a:masterClrMapping/>
-  </p:clrMapOvr>
-</p:sld>
-</file>
-
-<file path=ppt/slides/slide5.xml><?xml version="1.0" encoding="utf-8"?>
-<p:sld xmlns:a="http://schemas.openxmlformats.org/drawingml/2006/main" xmlns:r="http://schemas.openxmlformats.org/officeDocument/2006/relationships" xmlns:p="http://schemas.openxmlformats.org/presentationml/2006/main">
-  <p:cSld>
-    <p:spTree>
-      <p:nvGrpSpPr>
-        <p:cNvPr id="1" name=""/>
-        <p:cNvGrpSpPr/>
-        <p:nvPr/>
-      </p:nvGrpSpPr>
-      <p:grpSpPr>
-        <a:xfrm>
-          <a:off x="0" y="0"/>
-          <a:ext cx="0" cy="0"/>
-          <a:chOff x="0" y="0"/>
-          <a:chExt cx="0" cy="0"/>
-        </a:xfrm>
-      </p:grpSpPr>
-      <p:sp>
-        <p:nvSpPr>
-          <p:cNvPr id="2" name="제목 1"/>
-          <p:cNvSpPr>
-            <a:spLocks noGrp="1"/>
-          </p:cNvSpPr>
-          <p:nvPr>
-            <p:ph type="title"/>
-          </p:nvPr>
-        </p:nvSpPr>
-        <p:spPr/>
-        <p:txBody>
-          <a:bodyPr/>
-          <a:lstStyle/>
-          <a:p>
-            <a:r>
               <a:rPr lang="en-US" altLang="ko-KR" dirty="0" err="1" smtClean="0"/>
               <a:t>testbench</a:t>
             </a:r>
@@ -13708,10 +13339,6 @@
               <a:rPr lang="ko-KR" altLang="en-US" dirty="0" smtClean="0"/>
               <a:t>시나리오</a:t>
             </a:r>
-            <a:r>
-              <a:rPr lang="en-US" altLang="ko-KR" dirty="0"/>
-              <a:t>2</a:t>
-            </a:r>
             <a:endParaRPr lang="ko-KR" altLang="en-US" dirty="0"/>
           </a:p>
         </p:txBody>
@@ -13733,42 +13360,11 @@
           <a:p>
             <a:r>
               <a:rPr lang="ko-KR" altLang="en-US" dirty="0" smtClean="0"/>
-              <a:t>입력이  </a:t>
-            </a:r>
-            <a:r>
-              <a:rPr lang="en-US" altLang="ko-KR" dirty="0" smtClean="0"/>
-              <a:t>negative edge</a:t>
+              <a:t>입력 </a:t>
             </a:r>
             <a:r>
               <a:rPr lang="ko-KR" altLang="en-US" dirty="0" smtClean="0"/>
-              <a:t>에 </a:t>
-            </a:r>
-            <a:r>
-              <a:rPr lang="en-US" altLang="ko-KR" dirty="0" smtClean="0"/>
-              <a:t>done</a:t>
-            </a:r>
-            <a:r>
-              <a:rPr lang="ko-KR" altLang="en-US" dirty="0" smtClean="0"/>
-              <a:t>과 </a:t>
-            </a:r>
-            <a:r>
-              <a:rPr lang="en-US" altLang="ko-KR" dirty="0" err="1" smtClean="0"/>
-              <a:t>rx</a:t>
-            </a:r>
-            <a:r>
-              <a:rPr lang="en-US" altLang="ko-KR" dirty="0" smtClean="0"/>
-              <a:t> data</a:t>
-            </a:r>
-            <a:r>
-              <a:rPr lang="ko-KR" altLang="en-US" dirty="0" smtClean="0"/>
-              <a:t>를 입력</a:t>
-            </a:r>
-            <a:endParaRPr lang="en-US" altLang="ko-KR" dirty="0" smtClean="0"/>
-          </a:p>
-          <a:p>
-            <a:r>
-              <a:rPr lang="ko-KR" altLang="en-US" dirty="0" smtClean="0"/>
-              <a:t>입력 순서</a:t>
+              <a:t>순서</a:t>
             </a:r>
             <a:r>
               <a:rPr lang="en-US" altLang="ko-KR" dirty="0" smtClean="0"/>
@@ -13784,7 +13380,15 @@
             </a:r>
             <a:r>
               <a:rPr lang="ko-KR" altLang="en-US" dirty="0" smtClean="0"/>
-              <a:t>값에 대해 입력</a:t>
+              <a:t>값에 대해 </a:t>
+            </a:r>
+            <a:r>
+              <a:rPr lang="en-US" altLang="ko-KR" dirty="0" smtClean="0"/>
+              <a:t>RX </a:t>
+            </a:r>
+            <a:r>
+              <a:rPr lang="ko-KR" altLang="en-US" dirty="0" smtClean="0"/>
+              <a:t>신호 입력</a:t>
             </a:r>
             <a:endParaRPr lang="en-US" altLang="ko-KR" dirty="0" smtClean="0"/>
           </a:p>
@@ -13835,7 +13439,7 @@
       </p:pic>
       <p:pic>
         <p:nvPicPr>
-          <p:cNvPr id="6" name="그림 5"/>
+          <p:cNvPr id="4" name="그림 3"/>
           <p:cNvPicPr>
             <a:picLocks noChangeAspect="1"/>
           </p:cNvPicPr>
@@ -13849,8 +13453,8 @@
         </p:blipFill>
         <p:spPr>
           <a:xfrm>
-            <a:off x="8287601" y="487201"/>
-            <a:ext cx="3553321" cy="5801535"/>
+            <a:off x="8223087" y="0"/>
+            <a:ext cx="3968913" cy="6494585"/>
           </a:xfrm>
           <a:prstGeom prst="rect">
             <a:avLst/>
@@ -13870,7 +13474,7 @@
 </p:sld>
 </file>
 
-<file path=ppt/slides/slide6.xml><?xml version="1.0" encoding="utf-8"?>
+<file path=ppt/slides/slide5.xml><?xml version="1.0" encoding="utf-8"?>
 <p:sld xmlns:a="http://schemas.openxmlformats.org/drawingml/2006/main" xmlns:r="http://schemas.openxmlformats.org/officeDocument/2006/relationships" xmlns:p="http://schemas.openxmlformats.org/presentationml/2006/main">
   <p:cSld>
     <p:spTree>
@@ -13934,30 +13538,6 @@
           </a:p>
         </p:txBody>
       </p:sp>
-      <p:pic>
-        <p:nvPicPr>
-          <p:cNvPr id="3" name="그림 2"/>
-          <p:cNvPicPr>
-            <a:picLocks noChangeAspect="1"/>
-          </p:cNvPicPr>
-          <p:nvPr/>
-        </p:nvPicPr>
-        <p:blipFill>
-          <a:blip r:embed="rId3"/>
-          <a:stretch>
-            <a:fillRect/>
-          </a:stretch>
-        </p:blipFill>
-        <p:spPr>
-          <a:xfrm>
-            <a:off x="0" y="1354015"/>
-            <a:ext cx="12188281" cy="2941748"/>
-          </a:xfrm>
-          <a:prstGeom prst="rect">
-            <a:avLst/>
-          </a:prstGeom>
-        </p:spPr>
-      </p:pic>
       <p:sp>
         <p:nvSpPr>
           <p:cNvPr id="5" name="TextBox 4"/>

--- a/L01_uart_stopwatch_watch/이준형_uart_rx_decoder_sim.pptx
+++ b/L01_uart_stopwatch_watch/이준형_uart_rx_decoder_sim.pptx
@@ -8,14 +8,15 @@
     <p:sldMasterId id="2147483762" r:id="rId4"/>
   </p:sldMasterIdLst>
   <p:notesMasterIdLst>
-    <p:notesMasterId r:id="rId10"/>
+    <p:notesMasterId r:id="rId11"/>
   </p:notesMasterIdLst>
   <p:sldIdLst>
     <p:sldId id="256" r:id="rId5"/>
     <p:sldId id="262" r:id="rId6"/>
     <p:sldId id="263" r:id="rId7"/>
-    <p:sldId id="260" r:id="rId8"/>
-    <p:sldId id="261" r:id="rId9"/>
+    <p:sldId id="265" r:id="rId8"/>
+    <p:sldId id="264" r:id="rId9"/>
+    <p:sldId id="266" r:id="rId10"/>
   </p:sldIdLst>
   <p:sldSz cx="12192000" cy="6858000"/>
   <p:notesSz cx="6858000" cy="9144000"/>
@@ -216,7 +217,7 @@
           <a:p>
             <a:fld id="{4BC9D96A-C90B-4616-BE12-243A1276DB70}" type="datetimeFigureOut">
               <a:rPr lang="ko-KR" altLang="en-US" smtClean="0"/>
-              <a:t>2026-02-12</a:t>
+              <a:t>2026-02-13</a:t>
             </a:fld>
             <a:endParaRPr lang="ko-KR" altLang="en-US"/>
           </a:p>
@@ -625,7 +626,7 @@
           <a:p>
             <a:fld id="{48E75546-8575-4D9D-BEAF-A4B014C1EC31}" type="datetimeFigureOut">
               <a:rPr lang="ko-KR" altLang="en-US" smtClean="0"/>
-              <a:t>2026-02-12</a:t>
+              <a:t>2026-02-13</a:t>
             </a:fld>
             <a:endParaRPr lang="ko-KR" altLang="en-US"/>
           </a:p>
@@ -795,7 +796,7 @@
           <a:p>
             <a:fld id="{48E75546-8575-4D9D-BEAF-A4B014C1EC31}" type="datetimeFigureOut">
               <a:rPr lang="ko-KR" altLang="en-US" smtClean="0"/>
-              <a:t>2026-02-12</a:t>
+              <a:t>2026-02-13</a:t>
             </a:fld>
             <a:endParaRPr lang="ko-KR" altLang="en-US"/>
           </a:p>
@@ -975,7 +976,7 @@
           <a:p>
             <a:fld id="{48E75546-8575-4D9D-BEAF-A4B014C1EC31}" type="datetimeFigureOut">
               <a:rPr lang="ko-KR" altLang="en-US" smtClean="0"/>
-              <a:t>2026-02-12</a:t>
+              <a:t>2026-02-13</a:t>
             </a:fld>
             <a:endParaRPr lang="ko-KR" altLang="en-US"/>
           </a:p>
@@ -1178,7 +1179,7 @@
           <a:p>
             <a:fld id="{48E75546-8575-4D9D-BEAF-A4B014C1EC31}" type="datetimeFigureOut">
               <a:rPr lang="ko-KR" altLang="en-US" smtClean="0"/>
-              <a:t>2026-02-12</a:t>
+              <a:t>2026-02-13</a:t>
             </a:fld>
             <a:endParaRPr lang="ko-KR" altLang="en-US"/>
           </a:p>
@@ -1348,7 +1349,7 @@
           <a:p>
             <a:fld id="{48E75546-8575-4D9D-BEAF-A4B014C1EC31}" type="datetimeFigureOut">
               <a:rPr lang="ko-KR" altLang="en-US" smtClean="0"/>
-              <a:t>2026-02-12</a:t>
+              <a:t>2026-02-13</a:t>
             </a:fld>
             <a:endParaRPr lang="ko-KR" altLang="en-US"/>
           </a:p>
@@ -1599,7 +1600,7 @@
           <a:p>
             <a:fld id="{48E75546-8575-4D9D-BEAF-A4B014C1EC31}" type="datetimeFigureOut">
               <a:rPr lang="ko-KR" altLang="en-US" smtClean="0"/>
-              <a:t>2026-02-12</a:t>
+              <a:t>2026-02-13</a:t>
             </a:fld>
             <a:endParaRPr lang="ko-KR" altLang="en-US"/>
           </a:p>
@@ -1831,7 +1832,7 @@
           <a:p>
             <a:fld id="{48E75546-8575-4D9D-BEAF-A4B014C1EC31}" type="datetimeFigureOut">
               <a:rPr lang="ko-KR" altLang="en-US" smtClean="0"/>
-              <a:t>2026-02-12</a:t>
+              <a:t>2026-02-13</a:t>
             </a:fld>
             <a:endParaRPr lang="ko-KR" altLang="en-US"/>
           </a:p>
@@ -2178,7 +2179,7 @@
           <a:p>
             <a:fld id="{48E75546-8575-4D9D-BEAF-A4B014C1EC31}" type="datetimeFigureOut">
               <a:rPr lang="ko-KR" altLang="en-US" smtClean="0"/>
-              <a:t>2026-02-12</a:t>
+              <a:t>2026-02-13</a:t>
             </a:fld>
             <a:endParaRPr lang="ko-KR" altLang="en-US"/>
           </a:p>
@@ -2296,7 +2297,7 @@
           <a:p>
             <a:fld id="{48E75546-8575-4D9D-BEAF-A4B014C1EC31}" type="datetimeFigureOut">
               <a:rPr lang="ko-KR" altLang="en-US" smtClean="0"/>
-              <a:t>2026-02-12</a:t>
+              <a:t>2026-02-13</a:t>
             </a:fld>
             <a:endParaRPr lang="ko-KR" altLang="en-US"/>
           </a:p>
@@ -2414,7 +2415,7 @@
           <a:p>
             <a:fld id="{48E75546-8575-4D9D-BEAF-A4B014C1EC31}" type="datetimeFigureOut">
               <a:rPr lang="ko-KR" altLang="en-US" smtClean="0"/>
-              <a:t>2026-02-12</a:t>
+              <a:t>2026-02-13</a:t>
             </a:fld>
             <a:endParaRPr lang="ko-KR" altLang="en-US"/>
           </a:p>
@@ -2698,7 +2699,7 @@
           <a:p>
             <a:fld id="{48E75546-8575-4D9D-BEAF-A4B014C1EC31}" type="datetimeFigureOut">
               <a:rPr lang="ko-KR" altLang="en-US" smtClean="0"/>
-              <a:t>2026-02-12</a:t>
+              <a:t>2026-02-13</a:t>
             </a:fld>
             <a:endParaRPr lang="ko-KR" altLang="en-US"/>
           </a:p>
@@ -2868,7 +2869,7 @@
           <a:p>
             <a:fld id="{48E75546-8575-4D9D-BEAF-A4B014C1EC31}" type="datetimeFigureOut">
               <a:rPr lang="ko-KR" altLang="en-US" smtClean="0"/>
-              <a:t>2026-02-12</a:t>
+              <a:t>2026-02-13</a:t>
             </a:fld>
             <a:endParaRPr lang="ko-KR" altLang="en-US"/>
           </a:p>
@@ -3132,7 +3133,7 @@
           <a:p>
             <a:fld id="{48E75546-8575-4D9D-BEAF-A4B014C1EC31}" type="datetimeFigureOut">
               <a:rPr lang="ko-KR" altLang="en-US" smtClean="0"/>
-              <a:t>2026-02-12</a:t>
+              <a:t>2026-02-13</a:t>
             </a:fld>
             <a:endParaRPr lang="ko-KR" altLang="en-US"/>
           </a:p>
@@ -3302,7 +3303,7 @@
           <a:p>
             <a:fld id="{48E75546-8575-4D9D-BEAF-A4B014C1EC31}" type="datetimeFigureOut">
               <a:rPr lang="ko-KR" altLang="en-US" smtClean="0"/>
-              <a:t>2026-02-12</a:t>
+              <a:t>2026-02-13</a:t>
             </a:fld>
             <a:endParaRPr lang="ko-KR" altLang="en-US"/>
           </a:p>
@@ -3482,7 +3483,7 @@
           <a:p>
             <a:fld id="{48E75546-8575-4D9D-BEAF-A4B014C1EC31}" type="datetimeFigureOut">
               <a:rPr lang="ko-KR" altLang="en-US" smtClean="0"/>
-              <a:t>2026-02-12</a:t>
+              <a:t>2026-02-13</a:t>
             </a:fld>
             <a:endParaRPr lang="ko-KR" altLang="en-US"/>
           </a:p>
@@ -3685,7 +3686,7 @@
           <a:p>
             <a:fld id="{48E75546-8575-4D9D-BEAF-A4B014C1EC31}" type="datetimeFigureOut">
               <a:rPr lang="ko-KR" altLang="en-US" smtClean="0"/>
-              <a:t>2026-02-12</a:t>
+              <a:t>2026-02-13</a:t>
             </a:fld>
             <a:endParaRPr lang="ko-KR" altLang="en-US"/>
           </a:p>
@@ -3855,7 +3856,7 @@
           <a:p>
             <a:fld id="{48E75546-8575-4D9D-BEAF-A4B014C1EC31}" type="datetimeFigureOut">
               <a:rPr lang="ko-KR" altLang="en-US" smtClean="0"/>
-              <a:t>2026-02-12</a:t>
+              <a:t>2026-02-13</a:t>
             </a:fld>
             <a:endParaRPr lang="ko-KR" altLang="en-US"/>
           </a:p>
@@ -4106,7 +4107,7 @@
           <a:p>
             <a:fld id="{48E75546-8575-4D9D-BEAF-A4B014C1EC31}" type="datetimeFigureOut">
               <a:rPr lang="ko-KR" altLang="en-US" smtClean="0"/>
-              <a:t>2026-02-12</a:t>
+              <a:t>2026-02-13</a:t>
             </a:fld>
             <a:endParaRPr lang="ko-KR" altLang="en-US"/>
           </a:p>
@@ -4338,7 +4339,7 @@
           <a:p>
             <a:fld id="{48E75546-8575-4D9D-BEAF-A4B014C1EC31}" type="datetimeFigureOut">
               <a:rPr lang="ko-KR" altLang="en-US" smtClean="0"/>
-              <a:t>2026-02-12</a:t>
+              <a:t>2026-02-13</a:t>
             </a:fld>
             <a:endParaRPr lang="ko-KR" altLang="en-US"/>
           </a:p>
@@ -4685,7 +4686,7 @@
           <a:p>
             <a:fld id="{48E75546-8575-4D9D-BEAF-A4B014C1EC31}" type="datetimeFigureOut">
               <a:rPr lang="ko-KR" altLang="en-US" smtClean="0"/>
-              <a:t>2026-02-12</a:t>
+              <a:t>2026-02-13</a:t>
             </a:fld>
             <a:endParaRPr lang="ko-KR" altLang="en-US"/>
           </a:p>
@@ -4803,7 +4804,7 @@
           <a:p>
             <a:fld id="{48E75546-8575-4D9D-BEAF-A4B014C1EC31}" type="datetimeFigureOut">
               <a:rPr lang="ko-KR" altLang="en-US" smtClean="0"/>
-              <a:t>2026-02-12</a:t>
+              <a:t>2026-02-13</a:t>
             </a:fld>
             <a:endParaRPr lang="ko-KR" altLang="en-US"/>
           </a:p>
@@ -4921,7 +4922,7 @@
           <a:p>
             <a:fld id="{48E75546-8575-4D9D-BEAF-A4B014C1EC31}" type="datetimeFigureOut">
               <a:rPr lang="ko-KR" altLang="en-US" smtClean="0"/>
-              <a:t>2026-02-12</a:t>
+              <a:t>2026-02-13</a:t>
             </a:fld>
             <a:endParaRPr lang="ko-KR" altLang="en-US"/>
           </a:p>
@@ -5172,7 +5173,7 @@
           <a:p>
             <a:fld id="{48E75546-8575-4D9D-BEAF-A4B014C1EC31}" type="datetimeFigureOut">
               <a:rPr lang="ko-KR" altLang="en-US" smtClean="0"/>
-              <a:t>2026-02-12</a:t>
+              <a:t>2026-02-13</a:t>
             </a:fld>
             <a:endParaRPr lang="ko-KR" altLang="en-US"/>
           </a:p>
@@ -5456,7 +5457,7 @@
           <a:p>
             <a:fld id="{48E75546-8575-4D9D-BEAF-A4B014C1EC31}" type="datetimeFigureOut">
               <a:rPr lang="ko-KR" altLang="en-US" smtClean="0"/>
-              <a:t>2026-02-12</a:t>
+              <a:t>2026-02-13</a:t>
             </a:fld>
             <a:endParaRPr lang="ko-KR" altLang="en-US"/>
           </a:p>
@@ -5720,7 +5721,7 @@
           <a:p>
             <a:fld id="{48E75546-8575-4D9D-BEAF-A4B014C1EC31}" type="datetimeFigureOut">
               <a:rPr lang="ko-KR" altLang="en-US" smtClean="0"/>
-              <a:t>2026-02-12</a:t>
+              <a:t>2026-02-13</a:t>
             </a:fld>
             <a:endParaRPr lang="ko-KR" altLang="en-US"/>
           </a:p>
@@ -5890,7 +5891,7 @@
           <a:p>
             <a:fld id="{48E75546-8575-4D9D-BEAF-A4B014C1EC31}" type="datetimeFigureOut">
               <a:rPr lang="ko-KR" altLang="en-US" smtClean="0"/>
-              <a:t>2026-02-12</a:t>
+              <a:t>2026-02-13</a:t>
             </a:fld>
             <a:endParaRPr lang="ko-KR" altLang="en-US"/>
           </a:p>
@@ -6070,7 +6071,7 @@
           <a:p>
             <a:fld id="{48E75546-8575-4D9D-BEAF-A4B014C1EC31}" type="datetimeFigureOut">
               <a:rPr lang="ko-KR" altLang="en-US" smtClean="0"/>
-              <a:t>2026-02-12</a:t>
+              <a:t>2026-02-13</a:t>
             </a:fld>
             <a:endParaRPr lang="ko-KR" altLang="en-US"/>
           </a:p>
@@ -6300,7 +6301,7 @@
           <a:p>
             <a:fld id="{48E75546-8575-4D9D-BEAF-A4B014C1EC31}" type="datetimeFigureOut">
               <a:rPr lang="ko-KR" altLang="en-US" smtClean="0"/>
-              <a:t>2026-02-12</a:t>
+              <a:t>2026-02-13</a:t>
             </a:fld>
             <a:endParaRPr lang="ko-KR" altLang="en-US"/>
           </a:p>
@@ -6639,7 +6640,7 @@
           <a:p>
             <a:fld id="{48E75546-8575-4D9D-BEAF-A4B014C1EC31}" type="datetimeFigureOut">
               <a:rPr lang="ko-KR" altLang="en-US" smtClean="0"/>
-              <a:t>2026-02-12</a:t>
+              <a:t>2026-02-13</a:t>
             </a:fld>
             <a:endParaRPr lang="ko-KR" altLang="en-US"/>
           </a:p>
@@ -6916,7 +6917,7 @@
           <a:p>
             <a:fld id="{48E75546-8575-4D9D-BEAF-A4B014C1EC31}" type="datetimeFigureOut">
               <a:rPr lang="ko-KR" altLang="en-US" smtClean="0"/>
-              <a:t>2026-02-12</a:t>
+              <a:t>2026-02-13</a:t>
             </a:fld>
             <a:endParaRPr lang="ko-KR" altLang="en-US"/>
           </a:p>
@@ -7317,7 +7318,7 @@
           <a:p>
             <a:fld id="{48E75546-8575-4D9D-BEAF-A4B014C1EC31}" type="datetimeFigureOut">
               <a:rPr lang="ko-KR" altLang="en-US" smtClean="0"/>
-              <a:t>2026-02-12</a:t>
+              <a:t>2026-02-13</a:t>
             </a:fld>
             <a:endParaRPr lang="ko-KR" altLang="en-US"/>
           </a:p>
@@ -7794,7 +7795,7 @@
           <a:p>
             <a:fld id="{48E75546-8575-4D9D-BEAF-A4B014C1EC31}" type="datetimeFigureOut">
               <a:rPr lang="ko-KR" altLang="en-US" smtClean="0"/>
-              <a:t>2026-02-12</a:t>
+              <a:t>2026-02-13</a:t>
             </a:fld>
             <a:endParaRPr lang="ko-KR" altLang="en-US"/>
           </a:p>
@@ -7912,7 +7913,7 @@
           <a:p>
             <a:fld id="{48E75546-8575-4D9D-BEAF-A4B014C1EC31}" type="datetimeFigureOut">
               <a:rPr lang="ko-KR" altLang="en-US" smtClean="0"/>
-              <a:t>2026-02-12</a:t>
+              <a:t>2026-02-13</a:t>
             </a:fld>
             <a:endParaRPr lang="ko-KR" altLang="en-US"/>
           </a:p>
@@ -8144,7 +8145,7 @@
           <a:p>
             <a:fld id="{48E75546-8575-4D9D-BEAF-A4B014C1EC31}" type="datetimeFigureOut">
               <a:rPr lang="ko-KR" altLang="en-US" smtClean="0"/>
-              <a:t>2026-02-12</a:t>
+              <a:t>2026-02-13</a:t>
             </a:fld>
             <a:endParaRPr lang="ko-KR" altLang="en-US"/>
           </a:p>
@@ -8239,7 +8240,7 @@
           <a:p>
             <a:fld id="{48E75546-8575-4D9D-BEAF-A4B014C1EC31}" type="datetimeFigureOut">
               <a:rPr lang="ko-KR" altLang="en-US" smtClean="0"/>
-              <a:t>2026-02-12</a:t>
+              <a:t>2026-02-13</a:t>
             </a:fld>
             <a:endParaRPr lang="ko-KR" altLang="en-US"/>
           </a:p>
@@ -8592,7 +8593,7 @@
           <a:p>
             <a:fld id="{48E75546-8575-4D9D-BEAF-A4B014C1EC31}" type="datetimeFigureOut">
               <a:rPr lang="ko-KR" altLang="en-US" smtClean="0"/>
-              <a:t>2026-02-12</a:t>
+              <a:t>2026-02-13</a:t>
             </a:fld>
             <a:endParaRPr lang="ko-KR" altLang="en-US"/>
           </a:p>
@@ -8994,7 +8995,7 @@
           <a:p>
             <a:fld id="{48E75546-8575-4D9D-BEAF-A4B014C1EC31}" type="datetimeFigureOut">
               <a:rPr lang="ko-KR" altLang="en-US" smtClean="0"/>
-              <a:t>2026-02-12</a:t>
+              <a:t>2026-02-13</a:t>
             </a:fld>
             <a:endParaRPr lang="ko-KR" altLang="en-US"/>
           </a:p>
@@ -9240,7 +9241,7 @@
           <a:p>
             <a:fld id="{48E75546-8575-4D9D-BEAF-A4B014C1EC31}" type="datetimeFigureOut">
               <a:rPr lang="ko-KR" altLang="en-US" smtClean="0"/>
-              <a:t>2026-02-12</a:t>
+              <a:t>2026-02-13</a:t>
             </a:fld>
             <a:endParaRPr lang="ko-KR" altLang="en-US"/>
           </a:p>
@@ -9420,7 +9421,7 @@
           <a:p>
             <a:fld id="{48E75546-8575-4D9D-BEAF-A4B014C1EC31}" type="datetimeFigureOut">
               <a:rPr lang="ko-KR" altLang="en-US" smtClean="0"/>
-              <a:t>2026-02-12</a:t>
+              <a:t>2026-02-13</a:t>
             </a:fld>
             <a:endParaRPr lang="ko-KR" altLang="en-US"/>
           </a:p>
@@ -9767,7 +9768,7 @@
           <a:p>
             <a:fld id="{48E75546-8575-4D9D-BEAF-A4B014C1EC31}" type="datetimeFigureOut">
               <a:rPr lang="ko-KR" altLang="en-US" smtClean="0"/>
-              <a:t>2026-02-12</a:t>
+              <a:t>2026-02-13</a:t>
             </a:fld>
             <a:endParaRPr lang="ko-KR" altLang="en-US"/>
           </a:p>
@@ -9885,7 +9886,7 @@
           <a:p>
             <a:fld id="{48E75546-8575-4D9D-BEAF-A4B014C1EC31}" type="datetimeFigureOut">
               <a:rPr lang="ko-KR" altLang="en-US" smtClean="0"/>
-              <a:t>2026-02-12</a:t>
+              <a:t>2026-02-13</a:t>
             </a:fld>
             <a:endParaRPr lang="ko-KR" altLang="en-US"/>
           </a:p>
@@ -10003,7 +10004,7 @@
           <a:p>
             <a:fld id="{48E75546-8575-4D9D-BEAF-A4B014C1EC31}" type="datetimeFigureOut">
               <a:rPr lang="ko-KR" altLang="en-US" smtClean="0"/>
-              <a:t>2026-02-12</a:t>
+              <a:t>2026-02-13</a:t>
             </a:fld>
             <a:endParaRPr lang="ko-KR" altLang="en-US"/>
           </a:p>
@@ -10287,7 +10288,7 @@
           <a:p>
             <a:fld id="{48E75546-8575-4D9D-BEAF-A4B014C1EC31}" type="datetimeFigureOut">
               <a:rPr lang="ko-KR" altLang="en-US" smtClean="0"/>
-              <a:t>2026-02-12</a:t>
+              <a:t>2026-02-13</a:t>
             </a:fld>
             <a:endParaRPr lang="ko-KR" altLang="en-US"/>
           </a:p>
@@ -10551,7 +10552,7 @@
           <a:p>
             <a:fld id="{48E75546-8575-4D9D-BEAF-A4B014C1EC31}" type="datetimeFigureOut">
               <a:rPr lang="ko-KR" altLang="en-US" smtClean="0"/>
-              <a:t>2026-02-12</a:t>
+              <a:t>2026-02-13</a:t>
             </a:fld>
             <a:endParaRPr lang="ko-KR" altLang="en-US"/>
           </a:p>
@@ -10765,7 +10766,7 @@
           <a:p>
             <a:fld id="{48E75546-8575-4D9D-BEAF-A4B014C1EC31}" type="datetimeFigureOut">
               <a:rPr lang="ko-KR" altLang="en-US" smtClean="0"/>
-              <a:t>2026-02-12</a:t>
+              <a:t>2026-02-13</a:t>
             </a:fld>
             <a:endParaRPr lang="ko-KR" altLang="en-US"/>
           </a:p>
@@ -11295,7 +11296,7 @@
           <a:p>
             <a:fld id="{48E75546-8575-4D9D-BEAF-A4B014C1EC31}" type="datetimeFigureOut">
               <a:rPr lang="ko-KR" altLang="en-US" smtClean="0"/>
-              <a:t>2026-02-12</a:t>
+              <a:t>2026-02-13</a:t>
             </a:fld>
             <a:endParaRPr lang="ko-KR" altLang="en-US"/>
           </a:p>
@@ -11830,7 +11831,7 @@
           <a:p>
             <a:fld id="{48E75546-8575-4D9D-BEAF-A4B014C1EC31}" type="datetimeFigureOut">
               <a:rPr lang="ko-KR" altLang="en-US" smtClean="0"/>
-              <a:t>2026-02-12</a:t>
+              <a:t>2026-02-13</a:t>
             </a:fld>
             <a:endParaRPr lang="ko-KR" altLang="en-US"/>
           </a:p>
@@ -12365,7 +12366,7 @@
           <a:p>
             <a:fld id="{48E75546-8575-4D9D-BEAF-A4B014C1EC31}" type="datetimeFigureOut">
               <a:rPr lang="ko-KR" altLang="en-US" smtClean="0"/>
-              <a:t>2026-02-12</a:t>
+              <a:t>2026-02-13</a:t>
             </a:fld>
             <a:endParaRPr lang="ko-KR" altLang="en-US"/>
           </a:p>
@@ -13415,7 +13416,7 @@
       </p:sp>
       <p:pic>
         <p:nvPicPr>
-          <p:cNvPr id="5" name="그림 4"/>
+          <p:cNvPr id="6" name="그림 5"/>
           <p:cNvPicPr>
             <a:picLocks noChangeAspect="1"/>
           </p:cNvPicPr>
@@ -13429,32 +13430,8 @@
         </p:blipFill>
         <p:spPr>
           <a:xfrm>
-            <a:off x="1279878" y="4076700"/>
-            <a:ext cx="5048955" cy="2133898"/>
-          </a:xfrm>
-          <a:prstGeom prst="rect">
-            <a:avLst/>
-          </a:prstGeom>
-        </p:spPr>
-      </p:pic>
-      <p:pic>
-        <p:nvPicPr>
-          <p:cNvPr id="4" name="그림 3"/>
-          <p:cNvPicPr>
-            <a:picLocks noChangeAspect="1"/>
-          </p:cNvPicPr>
-          <p:nvPr/>
-        </p:nvPicPr>
-        <p:blipFill>
-          <a:blip r:embed="rId3"/>
-          <a:stretch>
-            <a:fillRect/>
-          </a:stretch>
-        </p:blipFill>
-        <p:spPr>
-          <a:xfrm>
-            <a:off x="8223087" y="0"/>
-            <a:ext cx="3968913" cy="6494585"/>
+            <a:off x="8130540" y="0"/>
+            <a:ext cx="4061460" cy="6875122"/>
           </a:xfrm>
           <a:prstGeom prst="rect">
             <a:avLst/>
@@ -13464,7 +13441,7 @@
     </p:spTree>
     <p:extLst>
       <p:ext uri="{BB962C8B-B14F-4D97-AF65-F5344CB8AC3E}">
-        <p14:creationId xmlns:p14="http://schemas.microsoft.com/office/powerpoint/2010/main" val="2294914072"/>
+        <p14:creationId xmlns:p14="http://schemas.microsoft.com/office/powerpoint/2010/main" val="2806045347"/>
       </p:ext>
     </p:extLst>
   </p:cSld>
@@ -13493,7 +13470,7 @@
       </p:grpSpPr>
       <p:pic>
         <p:nvPicPr>
-          <p:cNvPr id="6" name="그림 5"/>
+          <p:cNvPr id="3" name="그림 2"/>
           <p:cNvPicPr>
             <a:picLocks noChangeAspect="1"/>
           </p:cNvPicPr>
@@ -13507,8 +13484,8 @@
         </p:blipFill>
         <p:spPr>
           <a:xfrm>
-            <a:off x="1043353" y="4314355"/>
-            <a:ext cx="10353710" cy="2543645"/>
+            <a:off x="1371236" y="1428750"/>
+            <a:ext cx="10025827" cy="4278717"/>
           </a:xfrm>
           <a:prstGeom prst="rect">
             <a:avLst/>
@@ -13546,8 +13523,8 @@
         </p:nvSpPr>
         <p:spPr>
           <a:xfrm>
-            <a:off x="3777063" y="4490590"/>
-            <a:ext cx="7620000" cy="646331"/>
+            <a:off x="2291163" y="5804086"/>
+            <a:ext cx="7620000" cy="923330"/>
           </a:xfrm>
           <a:prstGeom prst="rect">
             <a:avLst/>
@@ -13560,28 +13537,67 @@
           </a:bodyPr>
           <a:lstStyle/>
           <a:p>
+            <a:r>
+              <a:rPr lang="en-US" altLang="ko-KR" dirty="0" smtClean="0"/>
+              <a:t>input = L   output = clear </a:t>
+            </a:r>
+            <a:r>
+              <a:rPr lang="ko-KR" altLang="en-US" dirty="0" smtClean="0"/>
+              <a:t>신호</a:t>
+            </a:r>
+            <a:endParaRPr lang="en-US" altLang="ko-KR" dirty="0" smtClean="0"/>
+          </a:p>
+          <a:p>
             <a:pPr marL="342900" indent="-342900">
               <a:buAutoNum type="arabicPeriod"/>
             </a:pPr>
             <a:r>
               <a:rPr lang="en-US" altLang="ko-KR" dirty="0" smtClean="0"/>
-              <a:t>0,1 </a:t>
+              <a:t>Rx</a:t>
             </a:r>
             <a:r>
               <a:rPr lang="ko-KR" altLang="en-US" dirty="0" smtClean="0"/>
-              <a:t>숫자 각각</a:t>
+              <a:t>는 </a:t>
             </a:r>
             <a:r>
               <a:rPr lang="en-US" altLang="ko-KR" dirty="0" err="1" smtClean="0"/>
-              <a:t>mode,fnd_sel</a:t>
+              <a:t>baud_tick</a:t>
+            </a:r>
+            <a:r>
+              <a:rPr lang="ko-KR" altLang="en-US" dirty="0" smtClean="0"/>
+              <a:t>일 때</a:t>
             </a:r>
             <a:r>
               <a:rPr lang="en-US" altLang="ko-KR" dirty="0" smtClean="0"/>
-              <a:t> </a:t>
+              <a:t>, </a:t>
             </a:r>
             <a:r>
               <a:rPr lang="ko-KR" altLang="en-US" dirty="0" smtClean="0"/>
-              <a:t>신호 확인</a:t>
+              <a:t>다음 </a:t>
+            </a:r>
+            <a:r>
+              <a:rPr lang="en-US" altLang="ko-KR" dirty="0" err="1" smtClean="0"/>
+              <a:t>clk</a:t>
+            </a:r>
+            <a:r>
+              <a:rPr lang="ko-KR" altLang="en-US" dirty="0" smtClean="0"/>
+              <a:t>에 </a:t>
+            </a:r>
+            <a:r>
+              <a:rPr lang="en-US" altLang="ko-KR" dirty="0" err="1" smtClean="0"/>
+              <a:t>rx_done</a:t>
+            </a:r>
+            <a:r>
+              <a:rPr lang="ko-KR" altLang="en-US" dirty="0" smtClean="0"/>
+              <a:t>을 </a:t>
+            </a:r>
+            <a:r>
+              <a:rPr lang="en-US" altLang="ko-KR" dirty="0" smtClean="0"/>
+              <a:t>1clk </a:t>
+            </a:r>
+            <a:r>
+              <a:rPr lang="ko-KR" altLang="en-US" dirty="0" smtClean="0"/>
+              <a:t>내보냄</a:t>
             </a:r>
             <a:endParaRPr lang="en-US" altLang="ko-KR" dirty="0" smtClean="0"/>
           </a:p>
@@ -13591,51 +13607,183 @@
             </a:pPr>
             <a:r>
               <a:rPr lang="en-US" altLang="ko-KR" dirty="0" smtClean="0"/>
-              <a:t>D,L,R,S,U(</a:t>
+              <a:t>Decoder</a:t>
             </a:r>
             <a:r>
               <a:rPr lang="ko-KR" altLang="en-US" dirty="0" smtClean="0"/>
-              <a:t>대문자</a:t>
+              <a:t>는 </a:t>
+            </a:r>
+            <a:r>
+              <a:rPr lang="en-US" altLang="ko-KR" dirty="0" err="1" smtClean="0"/>
+              <a:t>rx_done</a:t>
+            </a:r>
+            <a:r>
+              <a:rPr lang="ko-KR" altLang="en-US" dirty="0" smtClean="0"/>
+              <a:t>입력에 대해 다음 </a:t>
+            </a:r>
+            <a:r>
+              <a:rPr lang="en-US" altLang="ko-KR" dirty="0" err="1" smtClean="0"/>
+              <a:t>clk</a:t>
+            </a:r>
+            <a:r>
+              <a:rPr lang="ko-KR" altLang="en-US" dirty="0" smtClean="0"/>
+              <a:t>에 </a:t>
             </a:r>
             <a:r>
               <a:rPr lang="en-US" altLang="ko-KR" dirty="0" smtClean="0"/>
-              <a:t>,</a:t>
+              <a:t>clear </a:t>
             </a:r>
             <a:r>
               <a:rPr lang="ko-KR" altLang="en-US" dirty="0" smtClean="0"/>
-              <a:t>소문자</a:t>
+              <a:t>신호를 </a:t>
             </a:r>
             <a:r>
               <a:rPr lang="en-US" altLang="ko-KR" dirty="0" smtClean="0"/>
-              <a:t>) </a:t>
+              <a:t>1clk </a:t>
             </a:r>
             <a:r>
               <a:rPr lang="ko-KR" altLang="en-US" dirty="0" smtClean="0"/>
-              <a:t>각각 </a:t>
-            </a:r>
-            <a:r>
-              <a:rPr lang="en-US" altLang="ko-KR" dirty="0" err="1" smtClean="0"/>
-              <a:t>down,clear,run_stop,sender,up</a:t>
-            </a:r>
-            <a:r>
-              <a:rPr lang="en-US" altLang="ko-KR" dirty="0" smtClean="0"/>
-              <a:t> </a:t>
-            </a:r>
-            <a:r>
-              <a:rPr lang="ko-KR" altLang="en-US" dirty="0" smtClean="0"/>
-              <a:t>신호 확인</a:t>
-            </a:r>
-            <a:r>
-              <a:rPr lang="en-US" altLang="ko-KR" dirty="0" smtClean="0"/>
-              <a:t> </a:t>
-            </a:r>
+              <a:t>내보냄</a:t>
+            </a:r>
+            <a:endParaRPr lang="en-US" altLang="ko-KR" dirty="0" smtClean="0"/>
           </a:p>
         </p:txBody>
       </p:sp>
     </p:spTree>
     <p:extLst>
       <p:ext uri="{BB962C8B-B14F-4D97-AF65-F5344CB8AC3E}">
-        <p14:creationId xmlns:p14="http://schemas.microsoft.com/office/powerpoint/2010/main" val="2262952791"/>
+        <p14:creationId xmlns:p14="http://schemas.microsoft.com/office/powerpoint/2010/main" val="374206145"/>
+      </p:ext>
+    </p:extLst>
+  </p:cSld>
+  <p:clrMapOvr>
+    <a:masterClrMapping/>
+  </p:clrMapOvr>
+</p:sld>
+</file>
+
+<file path=ppt/slides/slide6.xml><?xml version="1.0" encoding="utf-8"?>
+<p:sld xmlns:a="http://schemas.openxmlformats.org/drawingml/2006/main" xmlns:r="http://schemas.openxmlformats.org/officeDocument/2006/relationships" xmlns:p="http://schemas.openxmlformats.org/presentationml/2006/main">
+  <p:cSld>
+    <p:spTree>
+      <p:nvGrpSpPr>
+        <p:cNvPr id="1" name=""/>
+        <p:cNvGrpSpPr/>
+        <p:nvPr/>
+      </p:nvGrpSpPr>
+      <p:grpSpPr>
+        <a:xfrm>
+          <a:off x="0" y="0"/>
+          <a:ext cx="0" cy="0"/>
+          <a:chOff x="0" y="0"/>
+          <a:chExt cx="0" cy="0"/>
+        </a:xfrm>
+      </p:grpSpPr>
+      <p:sp>
+        <p:nvSpPr>
+          <p:cNvPr id="2" name="제목 1"/>
+          <p:cNvSpPr>
+            <a:spLocks noGrp="1"/>
+          </p:cNvSpPr>
+          <p:nvPr>
+            <p:ph type="title"/>
+          </p:nvPr>
+        </p:nvSpPr>
+        <p:spPr/>
+        <p:txBody>
+          <a:bodyPr/>
+          <a:lstStyle/>
+          <a:p>
+            <a:r>
+              <a:rPr lang="en-US" altLang="ko-KR" dirty="0" smtClean="0"/>
+              <a:t>simulation</a:t>
+            </a:r>
+            <a:endParaRPr lang="ko-KR" altLang="en-US" dirty="0"/>
+          </a:p>
+        </p:txBody>
+      </p:sp>
+      <p:sp>
+        <p:nvSpPr>
+          <p:cNvPr id="5" name="TextBox 4"/>
+          <p:cNvSpPr txBox="1"/>
+          <p:nvPr/>
+        </p:nvSpPr>
+        <p:spPr>
+          <a:xfrm>
+            <a:off x="4373963" y="876486"/>
+            <a:ext cx="7620000" cy="369332"/>
+          </a:xfrm>
+          <a:prstGeom prst="rect">
+            <a:avLst/>
+          </a:prstGeom>
+          <a:noFill/>
+        </p:spPr>
+        <p:txBody>
+          <a:bodyPr wrap="square" rtlCol="0">
+            <a:spAutoFit/>
+          </a:bodyPr>
+          <a:lstStyle/>
+          <a:p>
+            <a:r>
+              <a:rPr lang="en-US" altLang="ko-KR" dirty="0" err="1" smtClean="0"/>
+              <a:t>rx</a:t>
+            </a:r>
+            <a:r>
+              <a:rPr lang="en-US" altLang="ko-KR" dirty="0" smtClean="0"/>
+              <a:t> 0,1,r,l,u,d,s(</a:t>
+            </a:r>
+            <a:r>
+              <a:rPr lang="ko-KR" altLang="en-US" dirty="0" smtClean="0"/>
+              <a:t>대문자 </a:t>
+            </a:r>
+            <a:r>
+              <a:rPr lang="en-US" altLang="ko-KR" dirty="0" smtClean="0"/>
+              <a:t>+ </a:t>
+            </a:r>
+            <a:r>
+              <a:rPr lang="ko-KR" altLang="en-US" dirty="0" smtClean="0"/>
+              <a:t>소문자</a:t>
+            </a:r>
+            <a:r>
+              <a:rPr lang="en-US" altLang="ko-KR" dirty="0" smtClean="0"/>
+              <a:t>) </a:t>
+            </a:r>
+            <a:r>
+              <a:rPr lang="ko-KR" altLang="en-US" dirty="0" smtClean="0"/>
+              <a:t>에 대해서 확인</a:t>
+            </a:r>
+            <a:endParaRPr lang="en-US" altLang="ko-KR" dirty="0" smtClean="0"/>
+          </a:p>
+        </p:txBody>
+      </p:sp>
+      <p:pic>
+        <p:nvPicPr>
+          <p:cNvPr id="7" name="그림 6"/>
+          <p:cNvPicPr>
+            <a:picLocks noChangeAspect="1"/>
+          </p:cNvPicPr>
+          <p:nvPr/>
+        </p:nvPicPr>
+        <p:blipFill>
+          <a:blip r:embed="rId2"/>
+          <a:stretch>
+            <a:fillRect/>
+          </a:stretch>
+        </p:blipFill>
+        <p:spPr>
+          <a:xfrm>
+            <a:off x="0" y="1313478"/>
+            <a:ext cx="12192000" cy="4252686"/>
+          </a:xfrm>
+          <a:prstGeom prst="rect">
+            <a:avLst/>
+          </a:prstGeom>
+        </p:spPr>
+      </p:pic>
+    </p:spTree>
+    <p:extLst>
+      <p:ext uri="{BB962C8B-B14F-4D97-AF65-F5344CB8AC3E}">
+        <p14:creationId xmlns:p14="http://schemas.microsoft.com/office/powerpoint/2010/main" val="2515582909"/>
       </p:ext>
     </p:extLst>
   </p:cSld>
